--- a/presentations/websci/images/title-slide.pptx
+++ b/presentations/websci/images/title-slide.pptx
@@ -1560,7 +1560,7 @@
                 <a:spcPct val="100000"/>
               </a:lnSpc>
             </a:pPr>
-            <a:fld id="{C775E695-F1CF-4017-A7B7-C36920C25EB9}" type="datetime">
+            <a:fld id="{2D31656F-DA2C-4239-8851-36F637134CAA}" type="datetime">
               <a:rPr b="0" lang="de-DE" sz="1200" spc="-1" strike="noStrike">
                 <a:solidFill>
                   <a:srgbClr val="8b8b8b"/>
@@ -1634,7 +1634,7 @@
                 <a:spcPct val="100000"/>
               </a:lnSpc>
             </a:pPr>
-            <a:fld id="{38FF386E-416C-417E-92E3-A5752ADDF490}" type="slidenum">
+            <a:fld id="{AEDCB720-7F8C-494A-9929-30270D9D380D}" type="slidenum">
               <a:rPr b="0" lang="de-DE" sz="1200" spc="-1" strike="noStrike">
                 <a:solidFill>
                   <a:srgbClr val="8b8b8b"/>
